--- a/【図】RoS_on_X.pptx
+++ b/【図】RoS_on_X.pptx
@@ -3647,7 +3647,7 @@
         </p:blipFill>
         <p:spPr>
           <a:xfrm>
-            <a:off x="2491238" y="233762"/>
+            <a:off x="2491238" y="155046"/>
             <a:ext cx="7209524" cy="6390476"/>
           </a:xfrm>
           <a:prstGeom prst="rect">
